--- a/day1/20240425_Intro.pptx
+++ b/day1/20240425_Intro.pptx
@@ -10134,10 +10134,15 @@
             <p:ph idx="1"/>
           </p:nvPr>
         </p:nvSpPr>
-        <p:spPr/>
+        <p:spPr>
+          <a:xfrm>
+            <a:off x="1206500" y="2385664"/>
+            <a:ext cx="21971000" cy="10118853"/>
+          </a:xfrm>
+        </p:spPr>
         <p:txBody>
           <a:bodyPr>
-            <a:normAutofit fontScale="85000" lnSpcReduction="20000"/>
+            <a:normAutofit/>
           </a:bodyPr>
           <a:lstStyle/>
           <a:p>
@@ -10331,7 +10336,7 @@
           <a:lstStyle/>
           <a:p>
             <a:r>
-              <a:rPr lang="en-US" dirty="0"/>
+              <a:rPr lang="en-US" b="1" dirty="0"/>
               <a:t>Linux basics and shell script</a:t>
             </a:r>
           </a:p>
@@ -10344,7 +10349,7 @@
           </a:p>
           <a:p>
             <a:r>
-              <a:rPr lang="en-US" dirty="0"/>
+              <a:rPr lang="en-US" b="1" dirty="0"/>
               <a:t>Sequence database</a:t>
             </a:r>
           </a:p>
@@ -10379,7 +10384,7 @@
           </a:p>
           <a:p>
             <a:r>
-              <a:rPr lang="en-US" dirty="0"/>
+              <a:rPr lang="en-US" b="1" dirty="0"/>
               <a:t>Multiple sequence alignments</a:t>
             </a:r>
           </a:p>
@@ -10459,20 +10464,20 @@
           <a:lstStyle/>
           <a:p>
             <a:r>
-              <a:rPr lang="en-US" dirty="0"/>
+              <a:rPr lang="en-US" b="1" dirty="0"/>
               <a:t>Time: 01:30-5:00 PM</a:t>
             </a:r>
           </a:p>
           <a:p>
             <a:r>
-              <a:rPr lang="en-US" dirty="0"/>
+              <a:rPr lang="en-US" b="1" dirty="0"/>
               <a:t>Topics:</a:t>
             </a:r>
           </a:p>
           <a:p>
             <a:pPr lvl="1"/>
             <a:r>
-              <a:rPr lang="en-US" dirty="0"/>
+              <a:rPr lang="en-US" b="1" dirty="0"/>
               <a:t>Phylogenetic tree analysis and data analysis pipeline</a:t>
             </a:r>
           </a:p>
@@ -10487,7 +10492,7 @@
             <a:pPr lvl="2"/>
             <a:r>
               <a:rPr lang="en-US" dirty="0"/>
-              <a:t>Online phylogenetic tree tools</a:t>
+              <a:t>Online bioinformatic and phylogenetic tree tools</a:t>
             </a:r>
           </a:p>
           <a:p>
@@ -10500,14 +10505,14 @@
           <a:p>
             <a:pPr lvl="1"/>
             <a:r>
-              <a:rPr lang="en-US" dirty="0"/>
+              <a:rPr lang="en-US" b="1" dirty="0"/>
               <a:t>Recap and discussion</a:t>
             </a:r>
           </a:p>
           <a:p>
             <a:pPr lvl="1"/>
             <a:r>
-              <a:rPr lang="en-US" dirty="0"/>
+              <a:rPr lang="en-US" b="1" dirty="0"/>
               <a:t>Data visualization (if time allows)</a:t>
             </a:r>
           </a:p>

--- a/day1/20240425_Intro.pptx
+++ b/day1/20240425_Intro.pptx
@@ -5,7 +5,7 @@
     <p:sldMasterId id="2147483648" r:id="rId1"/>
   </p:sldMasterIdLst>
   <p:notesMasterIdLst>
-    <p:notesMasterId r:id="rId16"/>
+    <p:notesMasterId r:id="rId19"/>
   </p:notesMasterIdLst>
   <p:sldIdLst>
     <p:sldId id="256" r:id="rId2"/>
@@ -19,9 +19,12 @@
     <p:sldId id="546" r:id="rId10"/>
     <p:sldId id="544" r:id="rId11"/>
     <p:sldId id="545" r:id="rId12"/>
-    <p:sldId id="547" r:id="rId13"/>
-    <p:sldId id="549" r:id="rId14"/>
-    <p:sldId id="548" r:id="rId15"/>
+    <p:sldId id="551" r:id="rId13"/>
+    <p:sldId id="552" r:id="rId14"/>
+    <p:sldId id="547" r:id="rId15"/>
+    <p:sldId id="549" r:id="rId16"/>
+    <p:sldId id="548" r:id="rId17"/>
+    <p:sldId id="550" r:id="rId18"/>
   </p:sldIdLst>
   <p:sldSz cx="24384000" cy="13716000"/>
   <p:notesSz cx="6858000" cy="9144000"/>
@@ -323,6 +326,11 @@
       </a:defRPr>
     </a:lvl9pPr>
   </p:defaultTextStyle>
+  <p:extLst>
+    <p:ext uri="{EFAFB233-063F-42B5-8137-9DF3F51BA10A}">
+      <p15:sldGuideLst xmlns:p15="http://schemas.microsoft.com/office/powerpoint/2012/main"/>
+    </p:ext>
+  </p:extLst>
 </p:presentation>
 </file>
 
@@ -3743,7 +3751,7 @@
           </a:ln>
           <a:extLst>
             <a:ext uri="{C572A759-6A51-4108-AA02-DFA0A04FC94B}">
-              <ma14:wrappingTextBoxFlag xmlns:ma14="http://schemas.microsoft.com/office/mac/drawingml/2011/main" xmlns:a14="http://schemas.microsoft.com/office/drawing/2010/main" xmlns:m="http://schemas.openxmlformats.org/officeDocument/2006/math" xmlns="" val="1"/>
+              <ma14:wrappingTextBoxFlag xmlns="" xmlns:m="http://schemas.openxmlformats.org/officeDocument/2006/math" xmlns:a14="http://schemas.microsoft.com/office/drawing/2010/main" xmlns:ma14="http://schemas.microsoft.com/office/mac/drawingml/2011/main" val="1"/>
             </a:ext>
           </a:extLst>
         </p:spPr>
@@ -3782,7 +3790,7 @@
           </a:ln>
           <a:extLst>
             <a:ext uri="{C572A759-6A51-4108-AA02-DFA0A04FC94B}">
-              <ma14:wrappingTextBoxFlag xmlns:ma14="http://schemas.microsoft.com/office/mac/drawingml/2011/main" xmlns:a14="http://schemas.microsoft.com/office/drawing/2010/main" xmlns:m="http://schemas.openxmlformats.org/officeDocument/2006/math" xmlns="" val="1"/>
+              <ma14:wrappingTextBoxFlag xmlns="" xmlns:m="http://schemas.openxmlformats.org/officeDocument/2006/math" xmlns:a14="http://schemas.microsoft.com/office/drawing/2010/main" xmlns:ma14="http://schemas.microsoft.com/office/mac/drawingml/2011/main" val="1"/>
             </a:ext>
           </a:extLst>
         </p:spPr>
@@ -4729,7 +4737,7 @@
           </a:prstGeom>
           <a:extLst>
             <a:ext uri="{C572A759-6A51-4108-AA02-DFA0A04FC94B}">
-              <ma14:wrappingTextBoxFlag xmlns:ma14="http://schemas.microsoft.com/office/mac/drawingml/2011/main" xmlns:a14="http://schemas.microsoft.com/office/drawing/2010/main" xmlns:m="http://schemas.openxmlformats.org/officeDocument/2006/math" xmlns="" val="1"/>
+              <ma14:wrappingTextBoxFlag xmlns="" xmlns:m="http://schemas.openxmlformats.org/officeDocument/2006/math" xmlns:a14="http://schemas.microsoft.com/office/drawing/2010/main" xmlns:ma14="http://schemas.microsoft.com/office/mac/drawingml/2011/main" val="1"/>
             </a:ext>
           </a:extLst>
         </p:spPr>
@@ -4858,7 +4866,7 @@
           </a:prstGeom>
           <a:extLst>
             <a:ext uri="{C572A759-6A51-4108-AA02-DFA0A04FC94B}">
-              <ma14:wrappingTextBoxFlag xmlns:ma14="http://schemas.microsoft.com/office/mac/drawingml/2011/main" xmlns:a14="http://schemas.microsoft.com/office/drawing/2010/main" xmlns:m="http://schemas.openxmlformats.org/officeDocument/2006/math" xmlns="" val="1"/>
+              <ma14:wrappingTextBoxFlag xmlns="" xmlns:m="http://schemas.openxmlformats.org/officeDocument/2006/math" xmlns:a14="http://schemas.microsoft.com/office/drawing/2010/main" xmlns:ma14="http://schemas.microsoft.com/office/mac/drawingml/2011/main" val="1"/>
             </a:ext>
           </a:extLst>
         </p:spPr>
@@ -5656,7 +5664,7 @@
           </a:ln>
           <a:extLst>
             <a:ext uri="{C572A759-6A51-4108-AA02-DFA0A04FC94B}">
-              <ma14:wrappingTextBoxFlag xmlns:ma14="http://schemas.microsoft.com/office/mac/drawingml/2011/main" xmlns:a14="http://schemas.microsoft.com/office/drawing/2010/main" xmlns:m="http://schemas.openxmlformats.org/officeDocument/2006/math" xmlns="" val="1"/>
+              <ma14:wrappingTextBoxFlag xmlns="" xmlns:m="http://schemas.openxmlformats.org/officeDocument/2006/math" xmlns:a14="http://schemas.microsoft.com/office/drawing/2010/main" xmlns:ma14="http://schemas.microsoft.com/office/mac/drawingml/2011/main" val="1"/>
             </a:ext>
           </a:extLst>
         </p:spPr>
@@ -5915,41 +5923,67 @@
           <a:p>
             <a:pPr hangingPunct="1"/>
             <a:r>
+              <a:rPr lang="en-US" dirty="0">
+                <a:hlinkClick r:id="rId2"/>
+              </a:rPr>
+              <a:t>https://learn.microsoft.com/en-us/windows/wsl/install#install-wsl-command</a:t>
+            </a:r>
+            <a:endParaRPr lang="en-US" dirty="0"/>
+          </a:p>
+          <a:p>
+            <a:pPr hangingPunct="1"/>
+            <a:r>
               <a:rPr lang="en-US" dirty="0"/>
-              <a:t>https://</a:t>
+              <a:t>Open </a:t>
             </a:r>
             <a:r>
               <a:rPr lang="en-US" dirty="0" err="1"/>
-              <a:t>learn.microsoft.com</a:t>
+              <a:t>PowerShell.exe</a:t>
             </a:r>
             <a:r>
               <a:rPr lang="en-US" dirty="0"/>
-              <a:t>/</a:t>
-            </a:r>
-            <a:r>
-              <a:rPr lang="en-US" dirty="0" err="1"/>
-              <a:t>en</a:t>
-            </a:r>
-            <a:r>
-              <a:rPr lang="en-US" dirty="0"/>
-              <a:t>-us/windows/</a:t>
-            </a:r>
-            <a:r>
-              <a:rPr lang="en-US" dirty="0" err="1"/>
-              <a:t>wsl</a:t>
-            </a:r>
-            <a:r>
-              <a:rPr lang="en-US" dirty="0"/>
-              <a:t>/</a:t>
-            </a:r>
-            <a:r>
-              <a:rPr lang="en-US" dirty="0" err="1"/>
-              <a:t>install#install-wsl-command</a:t>
+              <a:t> and type …</a:t>
             </a:r>
             <a:endParaRPr lang="en-TW" dirty="0"/>
           </a:p>
         </p:txBody>
       </p:sp>
+      <p:pic>
+        <p:nvPicPr>
+          <p:cNvPr id="3" name="Picture 2" descr="A screenshot of a computer program&#10;&#10;Description automatically generated">
+            <a:extLst>
+              <a:ext uri="{FF2B5EF4-FFF2-40B4-BE49-F238E27FC236}">
+                <a16:creationId xmlns:a16="http://schemas.microsoft.com/office/drawing/2014/main" id="{0B5EB1A8-5746-4244-B10D-5052EC44976D}"/>
+              </a:ext>
+            </a:extLst>
+          </p:cNvPr>
+          <p:cNvPicPr>
+            <a:picLocks noChangeAspect="1"/>
+          </p:cNvPicPr>
+          <p:nvPr/>
+        </p:nvPicPr>
+        <p:blipFill>
+          <a:blip r:embed="rId3">
+            <a:extLst>
+              <a:ext uri="{28A0092B-C50C-407E-A947-70E740481C1C}">
+                <a14:useLocalDpi xmlns:a14="http://schemas.microsoft.com/office/drawing/2010/main" val="0"/>
+              </a:ext>
+            </a:extLst>
+          </a:blip>
+          <a:stretch>
+            <a:fillRect/>
+          </a:stretch>
+        </p:blipFill>
+        <p:spPr>
+          <a:xfrm>
+            <a:off x="12192000" y="8862516"/>
+            <a:ext cx="10557571" cy="4709762"/>
+          </a:xfrm>
+          <a:prstGeom prst="rect">
+            <a:avLst/>
+          </a:prstGeom>
+        </p:spPr>
+      </p:pic>
     </p:spTree>
     <p:extLst>
       <p:ext uri="{BB962C8B-B14F-4D97-AF65-F5344CB8AC3E}">
@@ -5965,6 +5999,292 @@
 </file>
 
 <file path=ppt/slides/slide12.xml><?xml version="1.0" encoding="utf-8"?>
+<p:sld xmlns:a="http://schemas.openxmlformats.org/drawingml/2006/main" xmlns:r="http://schemas.openxmlformats.org/officeDocument/2006/relationships" xmlns:p="http://schemas.openxmlformats.org/presentationml/2006/main">
+  <p:cSld>
+    <p:spTree>
+      <p:nvGrpSpPr>
+        <p:cNvPr id="1" name=""/>
+        <p:cNvGrpSpPr/>
+        <p:nvPr/>
+      </p:nvGrpSpPr>
+      <p:grpSpPr>
+        <a:xfrm>
+          <a:off x="0" y="0"/>
+          <a:ext cx="0" cy="0"/>
+          <a:chOff x="0" y="0"/>
+          <a:chExt cx="0" cy="0"/>
+        </a:xfrm>
+      </p:grpSpPr>
+      <p:sp>
+        <p:nvSpPr>
+          <p:cNvPr id="2" name="Title 1">
+            <a:extLst>
+              <a:ext uri="{FF2B5EF4-FFF2-40B4-BE49-F238E27FC236}">
+                <a16:creationId xmlns:a16="http://schemas.microsoft.com/office/drawing/2014/main" id="{52076782-3540-9A47-B5CC-E5AB57ECC2A0}"/>
+              </a:ext>
+            </a:extLst>
+          </p:cNvPr>
+          <p:cNvSpPr>
+            <a:spLocks noGrp="1"/>
+          </p:cNvSpPr>
+          <p:nvPr>
+            <p:ph type="title"/>
+          </p:nvPr>
+        </p:nvSpPr>
+        <p:spPr/>
+        <p:txBody>
+          <a:bodyPr/>
+          <a:lstStyle/>
+          <a:p>
+            <a:r>
+              <a:rPr lang="en-US" dirty="0"/>
+              <a:t>Troubleshooting (PC user)</a:t>
+            </a:r>
+            <a:endParaRPr lang="en-TW" dirty="0"/>
+          </a:p>
+        </p:txBody>
+      </p:sp>
+      <p:sp>
+        <p:nvSpPr>
+          <p:cNvPr id="3" name="Text Placeholder 2">
+            <a:extLst>
+              <a:ext uri="{FF2B5EF4-FFF2-40B4-BE49-F238E27FC236}">
+                <a16:creationId xmlns:a16="http://schemas.microsoft.com/office/drawing/2014/main" id="{4311C046-7157-8D45-9E10-0E45850EC7FA}"/>
+              </a:ext>
+            </a:extLst>
+          </p:cNvPr>
+          <p:cNvSpPr>
+            <a:spLocks noGrp="1"/>
+          </p:cNvSpPr>
+          <p:nvPr>
+            <p:ph type="body" idx="1"/>
+          </p:nvPr>
+        </p:nvSpPr>
+        <p:spPr>
+          <a:xfrm>
+            <a:off x="1206500" y="11071353"/>
+            <a:ext cx="21971000" cy="1433164"/>
+          </a:xfrm>
+        </p:spPr>
+        <p:txBody>
+          <a:bodyPr>
+            <a:normAutofit fontScale="70000" lnSpcReduction="20000"/>
+          </a:bodyPr>
+          <a:lstStyle/>
+          <a:p>
+            <a:r>
+              <a:rPr lang="en-US" dirty="0"/>
+              <a:t>Open these two features before installing WSL</a:t>
+            </a:r>
+          </a:p>
+          <a:p>
+            <a:r>
+              <a:rPr lang="en-US" dirty="0"/>
+              <a:t>https://</a:t>
+            </a:r>
+            <a:r>
+              <a:rPr lang="en-US" dirty="0" err="1"/>
+              <a:t>gailloty.net</a:t>
+            </a:r>
+            <a:r>
+              <a:rPr lang="en-US" dirty="0"/>
+              <a:t>/</a:t>
+            </a:r>
+            <a:r>
+              <a:rPr lang="en-US" dirty="0" err="1"/>
+              <a:t>Rstudio</a:t>
+            </a:r>
+            <a:r>
+              <a:rPr lang="en-US" dirty="0"/>
+              <a:t>-server-windows/install-wsl-2-and-configure-it-on-windows-10.html</a:t>
+            </a:r>
+            <a:endParaRPr lang="en-TW" dirty="0"/>
+          </a:p>
+        </p:txBody>
+      </p:sp>
+      <p:pic>
+        <p:nvPicPr>
+          <p:cNvPr id="1026" name="Picture 2" descr="Enable Windows Features">
+            <a:extLst>
+              <a:ext uri="{FF2B5EF4-FFF2-40B4-BE49-F238E27FC236}">
+                <a16:creationId xmlns:a16="http://schemas.microsoft.com/office/drawing/2014/main" id="{3A75BFE2-A468-C641-9587-588CBDF37900}"/>
+              </a:ext>
+            </a:extLst>
+          </p:cNvPr>
+          <p:cNvPicPr>
+            <a:picLocks noChangeAspect="1" noChangeArrowheads="1"/>
+          </p:cNvPicPr>
+          <p:nvPr/>
+        </p:nvPicPr>
+        <p:blipFill>
+          <a:blip r:embed="rId2">
+            <a:extLst>
+              <a:ext uri="{28A0092B-C50C-407E-A947-70E740481C1C}">
+                <a14:useLocalDpi xmlns:a14="http://schemas.microsoft.com/office/drawing/2010/main" val="0"/>
+              </a:ext>
+            </a:extLst>
+          </a:blip>
+          <a:srcRect/>
+          <a:stretch>
+            <a:fillRect/>
+          </a:stretch>
+        </p:blipFill>
+        <p:spPr bwMode="auto">
+          <a:xfrm>
+            <a:off x="1206499" y="2443510"/>
+            <a:ext cx="7680325" cy="8272543"/>
+          </a:xfrm>
+          <a:prstGeom prst="rect">
+            <a:avLst/>
+          </a:prstGeom>
+          <a:noFill/>
+          <a:extLst>
+            <a:ext uri="{909E8E84-426E-40DD-AFC4-6F175D3DCCD1}">
+              <a14:hiddenFill xmlns:a14="http://schemas.microsoft.com/office/drawing/2010/main">
+                <a:solidFill>
+                  <a:srgbClr val="FFFFFF"/>
+                </a:solidFill>
+              </a14:hiddenFill>
+            </a:ext>
+          </a:extLst>
+        </p:spPr>
+      </p:pic>
+    </p:spTree>
+    <p:extLst>
+      <p:ext uri="{BB962C8B-B14F-4D97-AF65-F5344CB8AC3E}">
+        <p14:creationId xmlns:p14="http://schemas.microsoft.com/office/powerpoint/2010/main" val="3797472496"/>
+      </p:ext>
+    </p:extLst>
+  </p:cSld>
+  <p:clrMapOvr>
+    <a:masterClrMapping/>
+  </p:clrMapOvr>
+  <p:transition spd="med"/>
+</p:sld>
+</file>
+
+<file path=ppt/slides/slide13.xml><?xml version="1.0" encoding="utf-8"?>
+<p:sld xmlns:a="http://schemas.openxmlformats.org/drawingml/2006/main" xmlns:r="http://schemas.openxmlformats.org/officeDocument/2006/relationships" xmlns:p="http://schemas.openxmlformats.org/presentationml/2006/main">
+  <p:cSld>
+    <p:spTree>
+      <p:nvGrpSpPr>
+        <p:cNvPr id="1" name=""/>
+        <p:cNvGrpSpPr/>
+        <p:nvPr/>
+      </p:nvGrpSpPr>
+      <p:grpSpPr>
+        <a:xfrm>
+          <a:off x="0" y="0"/>
+          <a:ext cx="0" cy="0"/>
+          <a:chOff x="0" y="0"/>
+          <a:chExt cx="0" cy="0"/>
+        </a:xfrm>
+      </p:grpSpPr>
+      <p:sp>
+        <p:nvSpPr>
+          <p:cNvPr id="2" name="Title 1">
+            <a:extLst>
+              <a:ext uri="{FF2B5EF4-FFF2-40B4-BE49-F238E27FC236}">
+                <a16:creationId xmlns:a16="http://schemas.microsoft.com/office/drawing/2014/main" id="{38337E54-1F6D-7F47-B33F-0D262E128371}"/>
+              </a:ext>
+            </a:extLst>
+          </p:cNvPr>
+          <p:cNvSpPr>
+            <a:spLocks noGrp="1"/>
+          </p:cNvSpPr>
+          <p:nvPr>
+            <p:ph type="title"/>
+          </p:nvPr>
+        </p:nvSpPr>
+        <p:spPr/>
+        <p:txBody>
+          <a:bodyPr/>
+          <a:lstStyle/>
+          <a:p>
+            <a:r>
+              <a:rPr lang="en-US" dirty="0"/>
+              <a:t>M</a:t>
+            </a:r>
+            <a:r>
+              <a:rPr lang="en-TW" dirty="0"/>
+              <a:t>ore </a:t>
+            </a:r>
+            <a:r>
+              <a:rPr lang="en-US" dirty="0" err="1"/>
+              <a:t>troubleshootings</a:t>
+            </a:r>
+            <a:endParaRPr lang="en-TW" dirty="0"/>
+          </a:p>
+        </p:txBody>
+      </p:sp>
+      <p:sp>
+        <p:nvSpPr>
+          <p:cNvPr id="3" name="Text Placeholder 2">
+            <a:extLst>
+              <a:ext uri="{FF2B5EF4-FFF2-40B4-BE49-F238E27FC236}">
+                <a16:creationId xmlns:a16="http://schemas.microsoft.com/office/drawing/2014/main" id="{E8A5A09E-FFE0-FE4F-A688-D49E18F66910}"/>
+              </a:ext>
+            </a:extLst>
+          </p:cNvPr>
+          <p:cNvSpPr>
+            <a:spLocks noGrp="1"/>
+          </p:cNvSpPr>
+          <p:nvPr>
+            <p:ph type="body" idx="1"/>
+          </p:nvPr>
+        </p:nvSpPr>
+        <p:spPr/>
+        <p:txBody>
+          <a:bodyPr/>
+          <a:lstStyle/>
+          <a:p>
+            <a:r>
+              <a:rPr lang="en-US" dirty="0"/>
+              <a:t>https://</a:t>
+            </a:r>
+            <a:r>
+              <a:rPr lang="en-US" dirty="0" err="1"/>
+              <a:t>learn.microsoft.com</a:t>
+            </a:r>
+            <a:r>
+              <a:rPr lang="en-US" dirty="0"/>
+              <a:t>/</a:t>
+            </a:r>
+            <a:r>
+              <a:rPr lang="en-US" dirty="0" err="1"/>
+              <a:t>en</a:t>
+            </a:r>
+            <a:r>
+              <a:rPr lang="en-US" dirty="0"/>
+              <a:t>-us/windows/</a:t>
+            </a:r>
+            <a:r>
+              <a:rPr lang="en-US" dirty="0" err="1"/>
+              <a:t>wsl</a:t>
+            </a:r>
+            <a:r>
+              <a:rPr lang="en-US" dirty="0"/>
+              <a:t>/troubleshooting</a:t>
+            </a:r>
+            <a:endParaRPr lang="en-TW" dirty="0"/>
+          </a:p>
+        </p:txBody>
+      </p:sp>
+    </p:spTree>
+    <p:extLst>
+      <p:ext uri="{BB962C8B-B14F-4D97-AF65-F5344CB8AC3E}">
+        <p14:creationId xmlns:p14="http://schemas.microsoft.com/office/powerpoint/2010/main" val="4082966824"/>
+      </p:ext>
+    </p:extLst>
+  </p:cSld>
+  <p:clrMapOvr>
+    <a:masterClrMapping/>
+  </p:clrMapOvr>
+  <p:transition spd="med"/>
+</p:sld>
+</file>
+
+<file path=ppt/slides/slide14.xml><?xml version="1.0" encoding="utf-8"?>
 <p:sld xmlns:a="http://schemas.openxmlformats.org/drawingml/2006/main" xmlns:r="http://schemas.openxmlformats.org/officeDocument/2006/relationships" xmlns:p="http://schemas.openxmlformats.org/presentationml/2006/main">
   <p:cSld>
     <p:spTree>
@@ -6675,7 +6995,7 @@
 </p:sld>
 </file>
 
-<file path=ppt/slides/slide13.xml><?xml version="1.0" encoding="utf-8"?>
+<file path=ppt/slides/slide15.xml><?xml version="1.0" encoding="utf-8"?>
 <p:sld xmlns:a="http://schemas.openxmlformats.org/drawingml/2006/main" xmlns:r="http://schemas.openxmlformats.org/officeDocument/2006/relationships" xmlns:p="http://schemas.openxmlformats.org/presentationml/2006/main">
   <p:cSld>
     <p:spTree>
@@ -7485,7 +7805,7 @@
 </p:sld>
 </file>
 
-<file path=ppt/slides/slide14.xml><?xml version="1.0" encoding="utf-8"?>
+<file path=ppt/slides/slide16.xml><?xml version="1.0" encoding="utf-8"?>
 <p:sld xmlns:a="http://schemas.openxmlformats.org/drawingml/2006/main" xmlns:r="http://schemas.openxmlformats.org/officeDocument/2006/relationships" xmlns:p="http://schemas.openxmlformats.org/presentationml/2006/main">
   <p:cSld>
     <p:spTree>
@@ -7738,6 +8058,247 @@
     <p:extLst>
       <p:ext uri="{BB962C8B-B14F-4D97-AF65-F5344CB8AC3E}">
         <p14:creationId xmlns:p14="http://schemas.microsoft.com/office/powerpoint/2010/main" val="2669374708"/>
+      </p:ext>
+    </p:extLst>
+  </p:cSld>
+  <p:clrMapOvr>
+    <a:masterClrMapping/>
+  </p:clrMapOvr>
+  <p:transition spd="med"/>
+</p:sld>
+</file>
+
+<file path=ppt/slides/slide17.xml><?xml version="1.0" encoding="utf-8"?>
+<p:sld xmlns:a="http://schemas.openxmlformats.org/drawingml/2006/main" xmlns:r="http://schemas.openxmlformats.org/officeDocument/2006/relationships" xmlns:p="http://schemas.openxmlformats.org/presentationml/2006/main">
+  <p:cSld>
+    <p:spTree>
+      <p:nvGrpSpPr>
+        <p:cNvPr id="1" name=""/>
+        <p:cNvGrpSpPr/>
+        <p:nvPr/>
+      </p:nvGrpSpPr>
+      <p:grpSpPr>
+        <a:xfrm>
+          <a:off x="0" y="0"/>
+          <a:ext cx="0" cy="0"/>
+          <a:chOff x="0" y="0"/>
+          <a:chExt cx="0" cy="0"/>
+        </a:xfrm>
+      </p:grpSpPr>
+      <p:sp>
+        <p:nvSpPr>
+          <p:cNvPr id="2" name="Title 1">
+            <a:extLst>
+              <a:ext uri="{FF2B5EF4-FFF2-40B4-BE49-F238E27FC236}">
+                <a16:creationId xmlns:a16="http://schemas.microsoft.com/office/drawing/2014/main" id="{F58C86F5-D922-3145-BE75-9D6BC4FA30E3}"/>
+              </a:ext>
+            </a:extLst>
+          </p:cNvPr>
+          <p:cNvSpPr>
+            <a:spLocks noGrp="1"/>
+          </p:cNvSpPr>
+          <p:nvPr>
+            <p:ph type="title"/>
+          </p:nvPr>
+        </p:nvSpPr>
+        <p:spPr/>
+        <p:txBody>
+          <a:bodyPr>
+            <a:normAutofit/>
+          </a:bodyPr>
+          <a:lstStyle/>
+          <a:p>
+            <a:r>
+              <a:rPr lang="en-US" dirty="0"/>
+              <a:t>Troubleshooting for MAFFT (Mac M1 user)</a:t>
+            </a:r>
+            <a:endParaRPr lang="en-TW" dirty="0"/>
+          </a:p>
+        </p:txBody>
+      </p:sp>
+      <p:sp>
+        <p:nvSpPr>
+          <p:cNvPr id="3" name="Text Placeholder 2">
+            <a:extLst>
+              <a:ext uri="{FF2B5EF4-FFF2-40B4-BE49-F238E27FC236}">
+                <a16:creationId xmlns:a16="http://schemas.microsoft.com/office/drawing/2014/main" id="{BD062990-97DE-5646-8C07-784931447C63}"/>
+              </a:ext>
+            </a:extLst>
+          </p:cNvPr>
+          <p:cNvSpPr>
+            <a:spLocks noGrp="1"/>
+          </p:cNvSpPr>
+          <p:nvPr>
+            <p:ph type="body" idx="1"/>
+          </p:nvPr>
+        </p:nvSpPr>
+        <p:spPr/>
+        <p:txBody>
+          <a:bodyPr/>
+          <a:lstStyle/>
+          <a:p>
+            <a:endParaRPr lang="en-TW"/>
+          </a:p>
+        </p:txBody>
+      </p:sp>
+      <p:pic>
+        <p:nvPicPr>
+          <p:cNvPr id="5" name="Picture 4" descr="A screenshot of a computer screen&#10;&#10;Description automatically generated">
+            <a:extLst>
+              <a:ext uri="{FF2B5EF4-FFF2-40B4-BE49-F238E27FC236}">
+                <a16:creationId xmlns:a16="http://schemas.microsoft.com/office/drawing/2014/main" id="{D7A717ED-76FF-BD44-BE32-A4760F161EBB}"/>
+              </a:ext>
+            </a:extLst>
+          </p:cNvPr>
+          <p:cNvPicPr>
+            <a:picLocks noChangeAspect="1"/>
+          </p:cNvPicPr>
+          <p:nvPr/>
+        </p:nvPicPr>
+        <p:blipFill>
+          <a:blip r:embed="rId2">
+            <a:extLst>
+              <a:ext uri="{28A0092B-C50C-407E-A947-70E740481C1C}">
+                <a14:useLocalDpi xmlns:a14="http://schemas.microsoft.com/office/drawing/2010/main" val="0"/>
+              </a:ext>
+            </a:extLst>
+          </a:blip>
+          <a:stretch>
+            <a:fillRect/>
+          </a:stretch>
+        </p:blipFill>
+        <p:spPr>
+          <a:xfrm>
+            <a:off x="1206500" y="2882900"/>
+            <a:ext cx="12090400" cy="7950200"/>
+          </a:xfrm>
+          <a:prstGeom prst="rect">
+            <a:avLst/>
+          </a:prstGeom>
+        </p:spPr>
+      </p:pic>
+      <p:pic>
+        <p:nvPicPr>
+          <p:cNvPr id="9" name="Picture 8" descr="A computer screen shot of a black screen&#10;&#10;Description automatically generated">
+            <a:extLst>
+              <a:ext uri="{FF2B5EF4-FFF2-40B4-BE49-F238E27FC236}">
+                <a16:creationId xmlns:a16="http://schemas.microsoft.com/office/drawing/2014/main" id="{00C52DE4-D735-2241-96EF-5429363B4880}"/>
+              </a:ext>
+            </a:extLst>
+          </p:cNvPr>
+          <p:cNvPicPr>
+            <a:picLocks noChangeAspect="1"/>
+          </p:cNvPicPr>
+          <p:nvPr/>
+        </p:nvPicPr>
+        <p:blipFill>
+          <a:blip r:embed="rId3">
+            <a:extLst>
+              <a:ext uri="{28A0092B-C50C-407E-A947-70E740481C1C}">
+                <a14:useLocalDpi xmlns:a14="http://schemas.microsoft.com/office/drawing/2010/main" val="0"/>
+              </a:ext>
+            </a:extLst>
+          </a:blip>
+          <a:stretch>
+            <a:fillRect/>
+          </a:stretch>
+        </p:blipFill>
+        <p:spPr>
+          <a:xfrm>
+            <a:off x="12192000" y="5137150"/>
+            <a:ext cx="12103100" cy="8356600"/>
+          </a:xfrm>
+          <a:prstGeom prst="rect">
+            <a:avLst/>
+          </a:prstGeom>
+        </p:spPr>
+      </p:pic>
+      <p:sp>
+        <p:nvSpPr>
+          <p:cNvPr id="11" name="TextBox 10">
+            <a:extLst>
+              <a:ext uri="{FF2B5EF4-FFF2-40B4-BE49-F238E27FC236}">
+                <a16:creationId xmlns:a16="http://schemas.microsoft.com/office/drawing/2014/main" id="{40BCAE3F-B934-D749-9862-BC4B0FFE2AFD}"/>
+              </a:ext>
+            </a:extLst>
+          </p:cNvPr>
+          <p:cNvSpPr txBox="1"/>
+          <p:nvPr/>
+        </p:nvSpPr>
+        <p:spPr>
+          <a:xfrm>
+            <a:off x="13303250" y="3449754"/>
+            <a:ext cx="9880600" cy="1446550"/>
+          </a:xfrm>
+          <a:prstGeom prst="rect">
+            <a:avLst/>
+          </a:prstGeom>
+          <a:noFill/>
+          <a:ln w="12700" cap="flat">
+            <a:noFill/>
+            <a:miter lim="400000"/>
+          </a:ln>
+          <a:effectLst/>
+          <a:sp3d/>
+        </p:spPr>
+        <p:style>
+          <a:lnRef idx="0">
+            <a:scrgbClr r="0" g="0" b="0"/>
+          </a:lnRef>
+          <a:fillRef idx="0">
+            <a:scrgbClr r="0" g="0" b="0"/>
+          </a:fillRef>
+          <a:effectRef idx="0">
+            <a:scrgbClr r="0" g="0" b="0"/>
+          </a:effectRef>
+          <a:fontRef idx="none"/>
+        </p:style>
+        <p:txBody>
+          <a:bodyPr wrap="square">
+            <a:spAutoFit/>
+          </a:bodyPr>
+          <a:lstStyle/>
+          <a:p>
+            <a:pPr algn="l"/>
+            <a:r>
+              <a:rPr lang="en-TW" sz="4400" dirty="0"/>
+              <a:t>$ conda config --add subdirs osx-64</a:t>
+            </a:r>
+          </a:p>
+          <a:p>
+            <a:pPr algn="l"/>
+            <a:r>
+              <a:rPr lang="en-TW" sz="4400" dirty="0"/>
+              <a:t>$ </a:t>
+            </a:r>
+            <a:r>
+              <a:rPr lang="en-US" sz="4400" dirty="0" err="1"/>
+              <a:t>conda</a:t>
+            </a:r>
+            <a:r>
+              <a:rPr lang="en-US" sz="4400" dirty="0"/>
+              <a:t> install -c </a:t>
+            </a:r>
+            <a:r>
+              <a:rPr lang="en-US" sz="4400" dirty="0" err="1"/>
+              <a:t>bioconda</a:t>
+            </a:r>
+            <a:r>
+              <a:rPr lang="en-US" sz="4400" dirty="0"/>
+              <a:t> </a:t>
+            </a:r>
+            <a:r>
+              <a:rPr lang="en-US" sz="4400" dirty="0" err="1"/>
+              <a:t>mafft</a:t>
+            </a:r>
+            <a:endParaRPr lang="en-TW" sz="4400" dirty="0"/>
+          </a:p>
+        </p:txBody>
+      </p:sp>
+    </p:spTree>
+    <p:extLst>
+      <p:ext uri="{BB962C8B-B14F-4D97-AF65-F5344CB8AC3E}">
+        <p14:creationId xmlns:p14="http://schemas.microsoft.com/office/powerpoint/2010/main" val="801461271"/>
       </p:ext>
     </p:extLst>
   </p:cSld>
@@ -7851,7 +8412,7 @@
           </a:ln>
           <a:extLst>
             <a:ext uri="{C572A759-6A51-4108-AA02-DFA0A04FC94B}">
-              <ma14:wrappingTextBoxFlag xmlns:ma14="http://schemas.microsoft.com/office/mac/drawingml/2011/main" xmlns:a14="http://schemas.microsoft.com/office/drawing/2010/main" xmlns:m="http://schemas.openxmlformats.org/officeDocument/2006/math" xmlns="" val="1"/>
+              <ma14:wrappingTextBoxFlag xmlns="" xmlns:m="http://schemas.openxmlformats.org/officeDocument/2006/math" xmlns:a14="http://schemas.microsoft.com/office/drawing/2010/main" xmlns:ma14="http://schemas.microsoft.com/office/mac/drawingml/2011/main" val="1"/>
             </a:ext>
           </a:extLst>
         </p:spPr>
@@ -7936,7 +8497,7 @@
           </a:ln>
           <a:extLst>
             <a:ext uri="{C572A759-6A51-4108-AA02-DFA0A04FC94B}">
-              <ma14:wrappingTextBoxFlag xmlns:ma14="http://schemas.microsoft.com/office/mac/drawingml/2011/main" xmlns:a14="http://schemas.microsoft.com/office/drawing/2010/main" xmlns:m="http://schemas.openxmlformats.org/officeDocument/2006/math" xmlns="" val="1"/>
+              <ma14:wrappingTextBoxFlag xmlns="" xmlns:m="http://schemas.openxmlformats.org/officeDocument/2006/math" xmlns:a14="http://schemas.microsoft.com/office/drawing/2010/main" xmlns:ma14="http://schemas.microsoft.com/office/mac/drawingml/2011/main" val="1"/>
             </a:ext>
           </a:extLst>
         </p:spPr>
@@ -7981,7 +8542,7 @@
           </a:ln>
           <a:extLst>
             <a:ext uri="{C572A759-6A51-4108-AA02-DFA0A04FC94B}">
-              <ma14:wrappingTextBoxFlag xmlns:ma14="http://schemas.microsoft.com/office/mac/drawingml/2011/main" xmlns:a14="http://schemas.microsoft.com/office/drawing/2010/main" xmlns:m="http://schemas.openxmlformats.org/officeDocument/2006/math" xmlns="" val="1"/>
+              <ma14:wrappingTextBoxFlag xmlns="" xmlns:m="http://schemas.openxmlformats.org/officeDocument/2006/math" xmlns:a14="http://schemas.microsoft.com/office/drawing/2010/main" xmlns:ma14="http://schemas.microsoft.com/office/mac/drawingml/2011/main" val="1"/>
             </a:ext>
           </a:extLst>
         </p:spPr>
@@ -8084,7 +8645,7 @@
           </a:ln>
           <a:extLst>
             <a:ext uri="{C572A759-6A51-4108-AA02-DFA0A04FC94B}">
-              <ma14:wrappingTextBoxFlag xmlns:ma14="http://schemas.microsoft.com/office/mac/drawingml/2011/main" xmlns:a14="http://schemas.microsoft.com/office/drawing/2010/main" xmlns:m="http://schemas.openxmlformats.org/officeDocument/2006/math" xmlns="" val="1"/>
+              <ma14:wrappingTextBoxFlag xmlns="" xmlns:m="http://schemas.openxmlformats.org/officeDocument/2006/math" xmlns:a14="http://schemas.microsoft.com/office/drawing/2010/main" xmlns:ma14="http://schemas.microsoft.com/office/mac/drawingml/2011/main" val="1"/>
             </a:ext>
           </a:extLst>
         </p:spPr>
@@ -8138,7 +8699,7 @@
           </a:ln>
           <a:extLst>
             <a:ext uri="{C572A759-6A51-4108-AA02-DFA0A04FC94B}">
-              <ma14:wrappingTextBoxFlag xmlns:ma14="http://schemas.microsoft.com/office/mac/drawingml/2011/main" xmlns:a14="http://schemas.microsoft.com/office/drawing/2010/main" xmlns:m="http://schemas.openxmlformats.org/officeDocument/2006/math" xmlns="" val="1"/>
+              <ma14:wrappingTextBoxFlag xmlns="" xmlns:m="http://schemas.openxmlformats.org/officeDocument/2006/math" xmlns:a14="http://schemas.microsoft.com/office/drawing/2010/main" xmlns:ma14="http://schemas.microsoft.com/office/mac/drawingml/2011/main" val="1"/>
             </a:ext>
           </a:extLst>
         </p:spPr>
@@ -8228,7 +8789,7 @@
           </a:ln>
           <a:extLst>
             <a:ext uri="{C572A759-6A51-4108-AA02-DFA0A04FC94B}">
-              <ma14:wrappingTextBoxFlag xmlns:ma14="http://schemas.microsoft.com/office/mac/drawingml/2011/main" xmlns:a14="http://schemas.microsoft.com/office/drawing/2010/main" xmlns:m="http://schemas.openxmlformats.org/officeDocument/2006/math" xmlns="" val="1"/>
+              <ma14:wrappingTextBoxFlag xmlns="" xmlns:m="http://schemas.openxmlformats.org/officeDocument/2006/math" xmlns:a14="http://schemas.microsoft.com/office/drawing/2010/main" xmlns:ma14="http://schemas.microsoft.com/office/mac/drawingml/2011/main" val="1"/>
             </a:ext>
           </a:extLst>
         </p:spPr>
@@ -8313,7 +8874,7 @@
           </a:ln>
           <a:extLst>
             <a:ext uri="{C572A759-6A51-4108-AA02-DFA0A04FC94B}">
-              <ma14:wrappingTextBoxFlag xmlns:ma14="http://schemas.microsoft.com/office/mac/drawingml/2011/main" xmlns:a14="http://schemas.microsoft.com/office/drawing/2010/main" xmlns:m="http://schemas.openxmlformats.org/officeDocument/2006/math" xmlns="" val="1"/>
+              <ma14:wrappingTextBoxFlag xmlns="" xmlns:m="http://schemas.openxmlformats.org/officeDocument/2006/math" xmlns:a14="http://schemas.microsoft.com/office/drawing/2010/main" xmlns:ma14="http://schemas.microsoft.com/office/mac/drawingml/2011/main" val="1"/>
             </a:ext>
           </a:extLst>
         </p:spPr>
@@ -8358,7 +8919,7 @@
           </a:ln>
           <a:extLst>
             <a:ext uri="{C572A759-6A51-4108-AA02-DFA0A04FC94B}">
-              <ma14:wrappingTextBoxFlag xmlns:ma14="http://schemas.microsoft.com/office/mac/drawingml/2011/main" xmlns:a14="http://schemas.microsoft.com/office/drawing/2010/main" xmlns:m="http://schemas.openxmlformats.org/officeDocument/2006/math" xmlns="" val="1"/>
+              <ma14:wrappingTextBoxFlag xmlns="" xmlns:m="http://schemas.openxmlformats.org/officeDocument/2006/math" xmlns:a14="http://schemas.microsoft.com/office/drawing/2010/main" xmlns:ma14="http://schemas.microsoft.com/office/mac/drawingml/2011/main" val="1"/>
             </a:ext>
           </a:extLst>
         </p:spPr>
@@ -8507,7 +9068,7 @@
           </a:prstGeom>
           <a:extLst>
             <a:ext uri="{C572A759-6A51-4108-AA02-DFA0A04FC94B}">
-              <ma14:wrappingTextBoxFlag xmlns:ma14="http://schemas.microsoft.com/office/mac/drawingml/2011/main" xmlns:a14="http://schemas.microsoft.com/office/drawing/2010/main" xmlns:m="http://schemas.openxmlformats.org/officeDocument/2006/math" xmlns="" val="1"/>
+              <ma14:wrappingTextBoxFlag xmlns="" xmlns:m="http://schemas.openxmlformats.org/officeDocument/2006/math" xmlns:a14="http://schemas.microsoft.com/office/drawing/2010/main" xmlns:ma14="http://schemas.microsoft.com/office/mac/drawingml/2011/main" val="1"/>
             </a:ext>
           </a:extLst>
         </p:spPr>
@@ -8803,7 +9364,7 @@
             <a:effectLst/>
             <a:extLst>
               <a:ext uri="{C572A759-6A51-4108-AA02-DFA0A04FC94B}">
-                <ma14:wrappingTextBoxFlag xmlns:ma14="http://schemas.microsoft.com/office/mac/drawingml/2011/main" xmlns:a14="http://schemas.microsoft.com/office/drawing/2010/main" xmlns:m="http://schemas.openxmlformats.org/officeDocument/2006/math" xmlns="" val="1"/>
+                <ma14:wrappingTextBoxFlag xmlns="" xmlns:m="http://schemas.openxmlformats.org/officeDocument/2006/math" xmlns:a14="http://schemas.microsoft.com/office/drawing/2010/main" xmlns:ma14="http://schemas.microsoft.com/office/mac/drawingml/2011/main" val="1"/>
               </a:ext>
             </a:extLst>
           </p:spPr>
@@ -8826,7 +9387,12 @@
             </a:lstStyle>
             <a:p>
               <a:r>
-                <a:t>Inferring epidemiological and evolutionary processes of emerging viruses</a:t>
+                <a:rPr dirty="0"/>
+                <a:t>Inferring epidemiological and evolutionary processes of </a:t>
+              </a:r>
+              <a:r>
+                <a:rPr b="1" dirty="0"/>
+                <a:t>emerging viruses</a:t>
               </a:r>
             </a:p>
           </p:txBody>
@@ -9062,7 +9628,7 @@
             <a:effectLst/>
             <a:extLst>
               <a:ext uri="{C572A759-6A51-4108-AA02-DFA0A04FC94B}">
-                <ma14:wrappingTextBoxFlag xmlns:ma14="http://schemas.microsoft.com/office/mac/drawingml/2011/main" xmlns:a14="http://schemas.microsoft.com/office/drawing/2010/main" xmlns:m="http://schemas.openxmlformats.org/officeDocument/2006/math" xmlns="" val="1"/>
+                <ma14:wrappingTextBoxFlag xmlns="" xmlns:m="http://schemas.openxmlformats.org/officeDocument/2006/math" xmlns:a14="http://schemas.microsoft.com/office/drawing/2010/main" xmlns:ma14="http://schemas.microsoft.com/office/mac/drawingml/2011/main" val="1"/>
               </a:ext>
             </a:extLst>
           </p:spPr>
@@ -9334,7 +9900,7 @@
             <a:effectLst/>
             <a:extLst>
               <a:ext uri="{C572A759-6A51-4108-AA02-DFA0A04FC94B}">
-                <ma14:wrappingTextBoxFlag xmlns:ma14="http://schemas.microsoft.com/office/mac/drawingml/2011/main" xmlns:a14="http://schemas.microsoft.com/office/drawing/2010/main" xmlns:m="http://schemas.openxmlformats.org/officeDocument/2006/math" xmlns="" val="1"/>
+                <ma14:wrappingTextBoxFlag xmlns="" xmlns:m="http://schemas.openxmlformats.org/officeDocument/2006/math" xmlns:a14="http://schemas.microsoft.com/office/drawing/2010/main" xmlns:ma14="http://schemas.microsoft.com/office/mac/drawingml/2011/main" val="1"/>
               </a:ext>
             </a:extLst>
           </p:spPr>
@@ -9614,7 +10180,7 @@
             <a:effectLst/>
             <a:extLst>
               <a:ext uri="{C572A759-6A51-4108-AA02-DFA0A04FC94B}">
-                <ma14:wrappingTextBoxFlag xmlns:ma14="http://schemas.microsoft.com/office/mac/drawingml/2011/main" xmlns:a14="http://schemas.microsoft.com/office/drawing/2010/main" xmlns:m="http://schemas.openxmlformats.org/officeDocument/2006/math" xmlns="" val="1"/>
+                <ma14:wrappingTextBoxFlag xmlns="" xmlns:m="http://schemas.openxmlformats.org/officeDocument/2006/math" xmlns:a14="http://schemas.microsoft.com/office/drawing/2010/main" xmlns:ma14="http://schemas.microsoft.com/office/mac/drawingml/2011/main" val="1"/>
               </a:ext>
             </a:extLst>
           </p:spPr>
@@ -9671,7 +10237,7 @@
           </a:ln>
           <a:extLst>
             <a:ext uri="{C572A759-6A51-4108-AA02-DFA0A04FC94B}">
-              <ma14:wrappingTextBoxFlag xmlns:ma14="http://schemas.microsoft.com/office/mac/drawingml/2011/main" xmlns:a14="http://schemas.microsoft.com/office/drawing/2010/main" xmlns:m="http://schemas.openxmlformats.org/officeDocument/2006/math" xmlns="" val="1"/>
+              <ma14:wrappingTextBoxFlag xmlns="" xmlns:m="http://schemas.openxmlformats.org/officeDocument/2006/math" xmlns:a14="http://schemas.microsoft.com/office/drawing/2010/main" xmlns:ma14="http://schemas.microsoft.com/office/mac/drawingml/2011/main" val="1"/>
             </a:ext>
           </a:extLst>
         </p:spPr>
@@ -9714,7 +10280,7 @@
           </a:ln>
           <a:extLst>
             <a:ext uri="{C572A759-6A51-4108-AA02-DFA0A04FC94B}">
-              <ma14:wrappingTextBoxFlag xmlns:ma14="http://schemas.microsoft.com/office/mac/drawingml/2011/main" xmlns:a14="http://schemas.microsoft.com/office/drawing/2010/main" xmlns:m="http://schemas.openxmlformats.org/officeDocument/2006/math" xmlns="" val="1"/>
+              <ma14:wrappingTextBoxFlag xmlns="" xmlns:m="http://schemas.openxmlformats.org/officeDocument/2006/math" xmlns:a14="http://schemas.microsoft.com/office/drawing/2010/main" xmlns:ma14="http://schemas.microsoft.com/office/mac/drawingml/2011/main" val="1"/>
             </a:ext>
           </a:extLst>
         </p:spPr>
@@ -9778,7 +10344,7 @@
           </a:ln>
           <a:extLst>
             <a:ext uri="{C572A759-6A51-4108-AA02-DFA0A04FC94B}">
-              <ma14:wrappingTextBoxFlag xmlns:ma14="http://schemas.microsoft.com/office/mac/drawingml/2011/main" xmlns:a14="http://schemas.microsoft.com/office/drawing/2010/main" xmlns:m="http://schemas.openxmlformats.org/officeDocument/2006/math" xmlns="" val="1"/>
+              <ma14:wrappingTextBoxFlag xmlns="" xmlns:m="http://schemas.openxmlformats.org/officeDocument/2006/math" xmlns:a14="http://schemas.microsoft.com/office/drawing/2010/main" xmlns:ma14="http://schemas.microsoft.com/office/mac/drawingml/2011/main" val="1"/>
             </a:ext>
           </a:extLst>
         </p:spPr>
@@ -9821,7 +10387,7 @@
           </a:ln>
           <a:extLst>
             <a:ext uri="{C572A759-6A51-4108-AA02-DFA0A04FC94B}">
-              <ma14:wrappingTextBoxFlag xmlns:ma14="http://schemas.microsoft.com/office/mac/drawingml/2011/main" xmlns:a14="http://schemas.microsoft.com/office/drawing/2010/main" xmlns:m="http://schemas.openxmlformats.org/officeDocument/2006/math" xmlns="" val="1"/>
+              <ma14:wrappingTextBoxFlag xmlns="" xmlns:m="http://schemas.openxmlformats.org/officeDocument/2006/math" xmlns:a14="http://schemas.microsoft.com/office/drawing/2010/main" xmlns:ma14="http://schemas.microsoft.com/office/mac/drawingml/2011/main" val="1"/>
             </a:ext>
           </a:extLst>
         </p:spPr>
@@ -10371,15 +10937,7 @@
             <a:pPr lvl="1"/>
             <a:r>
               <a:rPr lang="en-US" dirty="0"/>
-              <a:t>Virus Pathogen Database and Analysis Resource (</a:t>
-            </a:r>
-            <a:r>
-              <a:rPr lang="en-US" dirty="0" err="1"/>
-              <a:t>ViPR</a:t>
-            </a:r>
-            <a:r>
-              <a:rPr lang="en-US" dirty="0"/>
-              <a:t>)</a:t>
+              <a:t>Bacterial and Viral Bioinformatics Resource Center (BV-BRC)</a:t>
             </a:r>
           </a:p>
           <a:p>
@@ -10639,7 +11197,7 @@
           <a:p>
             <a:r>
               <a:rPr lang="en-US" dirty="0"/>
-              <a:t>Retrieve update versions by typing “git pull”</a:t>
+              <a:t>Update this repo by typing “git pull”</a:t>
             </a:r>
             <a:endParaRPr lang="en-TW" dirty="0"/>
           </a:p>
